--- a/Principle of Microcomputer/图示.pptx
+++ b/Principle of Microcomputer/图示.pptx
@@ -5,7 +5,7 @@
     <p:sldMasterId id="2147483648" r:id="rId1"/>
   </p:sldMasterIdLst>
   <p:notesMasterIdLst>
-    <p:notesMasterId r:id="rId24"/>
+    <p:notesMasterId r:id="rId25"/>
   </p:notesMasterIdLst>
   <p:sldIdLst>
     <p:sldId id="256" r:id="rId2"/>
@@ -30,6 +30,7 @@
     <p:sldId id="275" r:id="rId21"/>
     <p:sldId id="276" r:id="rId22"/>
     <p:sldId id="277" r:id="rId23"/>
+    <p:sldId id="278" r:id="rId24"/>
   </p:sldIdLst>
   <p:sldSz cx="12192000" cy="6858000"/>
   <p:notesSz cx="6858000" cy="9144000"/>
@@ -246,7 +247,7 @@
           <a:p>
             <a:fld id="{E3196EDB-A143-4F16-AFD8-28197BD03A12}" type="datetimeFigureOut">
               <a:rPr lang="zh-CN" altLang="en-US" smtClean="0"/>
-              <a:t>2021/11/21</a:t>
+              <a:t>2021/12/23</a:t>
             </a:fld>
             <a:endParaRPr lang="zh-CN" altLang="en-US"/>
           </a:p>
@@ -744,7 +745,7 @@
           <a:p>
             <a:fld id="{4BC0CC1D-D308-4C51-925B-31E6AFF749A4}" type="datetimeFigureOut">
               <a:rPr lang="zh-CN" altLang="en-US" smtClean="0"/>
-              <a:t>2021/11/21</a:t>
+              <a:t>2021/12/23</a:t>
             </a:fld>
             <a:endParaRPr lang="zh-CN" altLang="en-US"/>
           </a:p>
@@ -942,7 +943,7 @@
           <a:p>
             <a:fld id="{4BC0CC1D-D308-4C51-925B-31E6AFF749A4}" type="datetimeFigureOut">
               <a:rPr lang="zh-CN" altLang="en-US" smtClean="0"/>
-              <a:t>2021/11/21</a:t>
+              <a:t>2021/12/23</a:t>
             </a:fld>
             <a:endParaRPr lang="zh-CN" altLang="en-US"/>
           </a:p>
@@ -1150,7 +1151,7 @@
           <a:p>
             <a:fld id="{4BC0CC1D-D308-4C51-925B-31E6AFF749A4}" type="datetimeFigureOut">
               <a:rPr lang="zh-CN" altLang="en-US" smtClean="0"/>
-              <a:t>2021/11/21</a:t>
+              <a:t>2021/12/23</a:t>
             </a:fld>
             <a:endParaRPr lang="zh-CN" altLang="en-US"/>
           </a:p>
@@ -1263,7 +1264,7 @@
           <a:p>
             <a:fld id="{4BC0CC1D-D308-4C51-925B-31E6AFF749A4}" type="datetimeFigureOut">
               <a:rPr lang="zh-CN" altLang="en-US" smtClean="0"/>
-              <a:t>2021/11/21</a:t>
+              <a:t>2021/12/23</a:t>
             </a:fld>
             <a:endParaRPr lang="zh-CN" altLang="en-US"/>
           </a:p>
@@ -1538,7 +1539,7 @@
           <a:p>
             <a:fld id="{4BC0CC1D-D308-4C51-925B-31E6AFF749A4}" type="datetimeFigureOut">
               <a:rPr lang="zh-CN" altLang="en-US" smtClean="0"/>
-              <a:t>2021/11/21</a:t>
+              <a:t>2021/12/23</a:t>
             </a:fld>
             <a:endParaRPr lang="zh-CN" altLang="en-US"/>
           </a:p>
@@ -1803,7 +1804,7 @@
           <a:p>
             <a:fld id="{4BC0CC1D-D308-4C51-925B-31E6AFF749A4}" type="datetimeFigureOut">
               <a:rPr lang="zh-CN" altLang="en-US" smtClean="0"/>
-              <a:t>2021/11/21</a:t>
+              <a:t>2021/12/23</a:t>
             </a:fld>
             <a:endParaRPr lang="zh-CN" altLang="en-US"/>
           </a:p>
@@ -2215,7 +2216,7 @@
           <a:p>
             <a:fld id="{4BC0CC1D-D308-4C51-925B-31E6AFF749A4}" type="datetimeFigureOut">
               <a:rPr lang="zh-CN" altLang="en-US" smtClean="0"/>
-              <a:t>2021/11/21</a:t>
+              <a:t>2021/12/23</a:t>
             </a:fld>
             <a:endParaRPr lang="zh-CN" altLang="en-US"/>
           </a:p>
@@ -2356,7 +2357,7 @@
           <a:p>
             <a:fld id="{4BC0CC1D-D308-4C51-925B-31E6AFF749A4}" type="datetimeFigureOut">
               <a:rPr lang="zh-CN" altLang="en-US" smtClean="0"/>
-              <a:t>2021/11/21</a:t>
+              <a:t>2021/12/23</a:t>
             </a:fld>
             <a:endParaRPr lang="zh-CN" altLang="en-US"/>
           </a:p>
@@ -2469,7 +2470,7 @@
           <a:p>
             <a:fld id="{4BC0CC1D-D308-4C51-925B-31E6AFF749A4}" type="datetimeFigureOut">
               <a:rPr lang="zh-CN" altLang="en-US" smtClean="0"/>
-              <a:t>2021/11/21</a:t>
+              <a:t>2021/12/23</a:t>
             </a:fld>
             <a:endParaRPr lang="zh-CN" altLang="en-US"/>
           </a:p>
@@ -2780,7 +2781,7 @@
           <a:p>
             <a:fld id="{4BC0CC1D-D308-4C51-925B-31E6AFF749A4}" type="datetimeFigureOut">
               <a:rPr lang="zh-CN" altLang="en-US" smtClean="0"/>
-              <a:t>2021/11/21</a:t>
+              <a:t>2021/12/23</a:t>
             </a:fld>
             <a:endParaRPr lang="zh-CN" altLang="en-US"/>
           </a:p>
@@ -3068,7 +3069,7 @@
           <a:p>
             <a:fld id="{4BC0CC1D-D308-4C51-925B-31E6AFF749A4}" type="datetimeFigureOut">
               <a:rPr lang="zh-CN" altLang="en-US" smtClean="0"/>
-              <a:t>2021/11/21</a:t>
+              <a:t>2021/12/23</a:t>
             </a:fld>
             <a:endParaRPr lang="zh-CN" altLang="en-US"/>
           </a:p>
@@ -3309,7 +3310,7 @@
           <a:p>
             <a:fld id="{4BC0CC1D-D308-4C51-925B-31E6AFF749A4}" type="datetimeFigureOut">
               <a:rPr lang="zh-CN" altLang="en-US" smtClean="0"/>
-              <a:t>2021/11/21</a:t>
+              <a:t>2021/12/23</a:t>
             </a:fld>
             <a:endParaRPr lang="zh-CN" altLang="en-US"/>
           </a:p>
@@ -10726,6 +10727,238 @@
 </p:sld>
 </file>
 
+<file path=ppt/slides/slide23.xml><?xml version="1.0" encoding="utf-8"?>
+<p:sld xmlns:a="http://schemas.openxmlformats.org/drawingml/2006/main" xmlns:r="http://schemas.openxmlformats.org/officeDocument/2006/relationships" xmlns:p="http://schemas.openxmlformats.org/presentationml/2006/main">
+  <p:cSld>
+    <p:spTree>
+      <p:nvGrpSpPr>
+        <p:cNvPr id="1" name=""/>
+        <p:cNvGrpSpPr/>
+        <p:nvPr/>
+      </p:nvGrpSpPr>
+      <p:grpSpPr>
+        <a:xfrm>
+          <a:off x="0" y="0"/>
+          <a:ext cx="0" cy="0"/>
+          <a:chOff x="0" y="0"/>
+          <a:chExt cx="0" cy="0"/>
+        </a:xfrm>
+      </p:grpSpPr>
+      <p:graphicFrame>
+        <p:nvGraphicFramePr>
+          <p:cNvPr id="2" name="表格 2">
+            <a:extLst>
+              <a:ext uri="{FF2B5EF4-FFF2-40B4-BE49-F238E27FC236}">
+                <a16:creationId xmlns:a16="http://schemas.microsoft.com/office/drawing/2014/main" id="{A2874F14-7A6A-4533-B414-4959B0FDCD18}"/>
+              </a:ext>
+            </a:extLst>
+          </p:cNvPr>
+          <p:cNvGraphicFramePr>
+            <a:graphicFrameLocks noGrp="1"/>
+          </p:cNvGraphicFramePr>
+          <p:nvPr>
+            <p:extLst>
+              <p:ext uri="{D42A27DB-BD31-4B8C-83A1-F6EECF244321}">
+                <p14:modId xmlns:p14="http://schemas.microsoft.com/office/powerpoint/2010/main" val="1089097775"/>
+              </p:ext>
+            </p:extLst>
+          </p:nvPr>
+        </p:nvGraphicFramePr>
+        <p:xfrm>
+          <a:off x="2589562" y="2147023"/>
+          <a:ext cx="6141844" cy="1086832"/>
+        </p:xfrm>
+        <a:graphic>
+          <a:graphicData uri="http://schemas.openxmlformats.org/drawingml/2006/table">
+            <a:tbl>
+              <a:tblPr firstRow="1" bandRow="1">
+                <a:tableStyleId>{5940675A-B579-460E-94D1-54222C63F5DA}</a:tableStyleId>
+              </a:tblPr>
+              <a:tblGrid>
+                <a:gridCol w="1657239">
+                  <a:extLst>
+                    <a:ext uri="{9D8B030D-6E8A-4147-A177-3AD203B41FA5}">
+                      <a16:colId xmlns:a16="http://schemas.microsoft.com/office/drawing/2014/main" val="739847932"/>
+                    </a:ext>
+                  </a:extLst>
+                </a:gridCol>
+                <a:gridCol w="4484605">
+                  <a:extLst>
+                    <a:ext uri="{9D8B030D-6E8A-4147-A177-3AD203B41FA5}">
+                      <a16:colId xmlns:a16="http://schemas.microsoft.com/office/drawing/2014/main" val="2315043778"/>
+                    </a:ext>
+                  </a:extLst>
+                </a:gridCol>
+              </a:tblGrid>
+              <a:tr h="1086832">
+                <a:tc>
+                  <a:txBody>
+                    <a:bodyPr/>
+                    <a:lstStyle/>
+                    <a:p>
+                      <a:pPr algn="ctr"/>
+                      <a:r>
+                        <a:rPr lang="en-US" altLang="zh-CN" sz="2400" dirty="0"/>
+                        <a:t>X</a:t>
+                      </a:r>
+                      <a:r>
+                        <a:rPr lang="en-US" altLang="zh-CN" sz="2400" baseline="-25000" dirty="0"/>
+                        <a:t>n</a:t>
+                      </a:r>
+                      <a:endParaRPr lang="zh-CN" altLang="en-US" sz="2400" baseline="-25000" dirty="0"/>
+                    </a:p>
+                  </a:txBody>
+                  <a:tcPr anchor="ctr"/>
+                </a:tc>
+                <a:tc>
+                  <a:txBody>
+                    <a:bodyPr/>
+                    <a:lstStyle/>
+                    <a:p>
+                      <a:pPr algn="ctr"/>
+                      <a:r>
+                        <a:rPr lang="en-US" altLang="zh-CN" sz="2400" dirty="0"/>
+                        <a:t>X</a:t>
+                      </a:r>
+                      <a:r>
+                        <a:rPr lang="en-US" altLang="zh-CN" sz="2400" baseline="-25000" dirty="0"/>
+                        <a:t>n-1</a:t>
+                      </a:r>
+                      <a:r>
+                        <a:rPr lang="en-US" altLang="zh-CN" sz="2400" dirty="0"/>
+                        <a:t>X</a:t>
+                      </a:r>
+                      <a:r>
+                        <a:rPr lang="en-US" altLang="zh-CN" sz="2400" baseline="-25000" dirty="0"/>
+                        <a:t>n-2</a:t>
+                      </a:r>
+                      <a:r>
+                        <a:rPr lang="en-US" altLang="zh-CN" sz="2400" dirty="0"/>
+                        <a:t>...X</a:t>
+                      </a:r>
+                      <a:r>
+                        <a:rPr lang="en-US" altLang="zh-CN" sz="2400" baseline="-25000" dirty="0"/>
+                        <a:t>2</a:t>
+                      </a:r>
+                      <a:r>
+                        <a:rPr lang="en-US" altLang="zh-CN" sz="2400" dirty="0"/>
+                        <a:t>X</a:t>
+                      </a:r>
+                      <a:r>
+                        <a:rPr lang="en-US" altLang="zh-CN" sz="2400" baseline="-25000" dirty="0"/>
+                        <a:t>1</a:t>
+                      </a:r>
+                      <a:endParaRPr lang="zh-CN" altLang="en-US" sz="2400" baseline="-25000" dirty="0"/>
+                    </a:p>
+                  </a:txBody>
+                  <a:tcPr anchor="ctr"/>
+                </a:tc>
+                <a:extLst>
+                  <a:ext uri="{0D108BD9-81ED-4DB2-BD59-A6C34878D82A}">
+                    <a16:rowId xmlns:a16="http://schemas.microsoft.com/office/drawing/2014/main" val="1486005286"/>
+                  </a:ext>
+                </a:extLst>
+              </a:tr>
+            </a:tbl>
+          </a:graphicData>
+        </a:graphic>
+      </p:graphicFrame>
+      <p:sp>
+        <p:nvSpPr>
+          <p:cNvPr id="3" name="文本框 2">
+            <a:extLst>
+              <a:ext uri="{FF2B5EF4-FFF2-40B4-BE49-F238E27FC236}">
+                <a16:creationId xmlns:a16="http://schemas.microsoft.com/office/drawing/2014/main" id="{4EA29CA4-E73F-4D9E-B8E3-34DA5F443F4A}"/>
+              </a:ext>
+            </a:extLst>
+          </p:cNvPr>
+          <p:cNvSpPr txBox="1"/>
+          <p:nvPr/>
+        </p:nvSpPr>
+        <p:spPr>
+          <a:xfrm>
+            <a:off x="3026089" y="3245005"/>
+            <a:ext cx="800219" cy="461665"/>
+          </a:xfrm>
+          <a:prstGeom prst="rect">
+            <a:avLst/>
+          </a:prstGeom>
+          <a:noFill/>
+        </p:spPr>
+        <p:txBody>
+          <a:bodyPr wrap="none" rtlCol="0">
+            <a:spAutoFit/>
+          </a:bodyPr>
+          <a:lstStyle/>
+          <a:p>
+            <a:r>
+              <a:rPr lang="zh-CN" altLang="en-US" sz="2400" dirty="0"/>
+              <a:t>符号</a:t>
+            </a:r>
+          </a:p>
+        </p:txBody>
+      </p:sp>
+      <p:sp>
+        <p:nvSpPr>
+          <p:cNvPr id="4" name="文本框 3">
+            <a:extLst>
+              <a:ext uri="{FF2B5EF4-FFF2-40B4-BE49-F238E27FC236}">
+                <a16:creationId xmlns:a16="http://schemas.microsoft.com/office/drawing/2014/main" id="{1172F72C-40F9-4850-9F99-09DB24D007EF}"/>
+              </a:ext>
+            </a:extLst>
+          </p:cNvPr>
+          <p:cNvSpPr txBox="1"/>
+          <p:nvPr/>
+        </p:nvSpPr>
+        <p:spPr>
+          <a:xfrm>
+            <a:off x="5660484" y="3245006"/>
+            <a:ext cx="1595309" cy="461665"/>
+          </a:xfrm>
+          <a:prstGeom prst="rect">
+            <a:avLst/>
+          </a:prstGeom>
+          <a:noFill/>
+        </p:spPr>
+        <p:txBody>
+          <a:bodyPr wrap="none" rtlCol="0">
+            <a:spAutoFit/>
+          </a:bodyPr>
+          <a:lstStyle/>
+          <a:p>
+            <a:r>
+              <a:rPr lang="zh-CN" altLang="en-US" sz="2400" dirty="0"/>
+              <a:t>数值</a:t>
+            </a:r>
+            <a:r>
+              <a:rPr lang="en-US" altLang="zh-CN" sz="2400" dirty="0"/>
+              <a:t>(</a:t>
+            </a:r>
+            <a:r>
+              <a:rPr lang="zh-CN" altLang="en-US" sz="2400" dirty="0"/>
+              <a:t>尾数</a:t>
+            </a:r>
+            <a:r>
+              <a:rPr lang="en-US" altLang="zh-CN" sz="2400" dirty="0"/>
+              <a:t>)</a:t>
+            </a:r>
+            <a:endParaRPr lang="zh-CN" altLang="en-US" sz="2400" dirty="0"/>
+          </a:p>
+        </p:txBody>
+      </p:sp>
+    </p:spTree>
+    <p:extLst>
+      <p:ext uri="{BB962C8B-B14F-4D97-AF65-F5344CB8AC3E}">
+        <p14:creationId xmlns:p14="http://schemas.microsoft.com/office/powerpoint/2010/main" val="2520168992"/>
+      </p:ext>
+    </p:extLst>
+  </p:cSld>
+  <p:clrMapOvr>
+    <a:masterClrMapping/>
+  </p:clrMapOvr>
+</p:sld>
+</file>
+
 <file path=ppt/slides/slide3.xml><?xml version="1.0" encoding="utf-8"?>
 <p:sld xmlns:a="http://schemas.openxmlformats.org/drawingml/2006/main" xmlns:r="http://schemas.openxmlformats.org/officeDocument/2006/relationships" xmlns:p="http://schemas.openxmlformats.org/presentationml/2006/main">
   <p:cSld>
